--- a/Documents/Api_Docus/DoctorEndpoint .pptx
+++ b/Documents/Api_Docus/DoctorEndpoint .pptx
@@ -8,6 +8,7 @@
     <p:sldId id="256" r:id="rId2"/>
     <p:sldId id="257" r:id="rId3"/>
     <p:sldId id="258" r:id="rId4"/>
+    <p:sldId id="259" r:id="rId5"/>
   </p:sldIdLst>
   <p:sldSz cx="8229600" cy="12192000"/>
   <p:notesSz cx="6858000" cy="9144000"/>
@@ -245,7 +246,7 @@
           <a:p>
             <a:fld id="{3E871DD6-46A1-4F9C-B117-DA74D08906E3}" type="datetimeFigureOut">
               <a:rPr lang="en-US" smtClean="0"/>
-              <a:t>2/12/2024</a:t>
+              <a:t>3/7/2024</a:t>
             </a:fld>
             <a:endParaRPr lang="en-US"/>
           </a:p>
@@ -415,7 +416,7 @@
           <a:p>
             <a:fld id="{3E871DD6-46A1-4F9C-B117-DA74D08906E3}" type="datetimeFigureOut">
               <a:rPr lang="en-US" smtClean="0"/>
-              <a:t>2/12/2024</a:t>
+              <a:t>3/7/2024</a:t>
             </a:fld>
             <a:endParaRPr lang="en-US"/>
           </a:p>
@@ -595,7 +596,7 @@
           <a:p>
             <a:fld id="{3E871DD6-46A1-4F9C-B117-DA74D08906E3}" type="datetimeFigureOut">
               <a:rPr lang="en-US" smtClean="0"/>
-              <a:t>2/12/2024</a:t>
+              <a:t>3/7/2024</a:t>
             </a:fld>
             <a:endParaRPr lang="en-US"/>
           </a:p>
@@ -765,7 +766,7 @@
           <a:p>
             <a:fld id="{3E871DD6-46A1-4F9C-B117-DA74D08906E3}" type="datetimeFigureOut">
               <a:rPr lang="en-US" smtClean="0"/>
-              <a:t>2/12/2024</a:t>
+              <a:t>3/7/2024</a:t>
             </a:fld>
             <a:endParaRPr lang="en-US"/>
           </a:p>
@@ -1009,7 +1010,7 @@
           <a:p>
             <a:fld id="{3E871DD6-46A1-4F9C-B117-DA74D08906E3}" type="datetimeFigureOut">
               <a:rPr lang="en-US" smtClean="0"/>
-              <a:t>2/12/2024</a:t>
+              <a:t>3/7/2024</a:t>
             </a:fld>
             <a:endParaRPr lang="en-US"/>
           </a:p>
@@ -1241,7 +1242,7 @@
           <a:p>
             <a:fld id="{3E871DD6-46A1-4F9C-B117-DA74D08906E3}" type="datetimeFigureOut">
               <a:rPr lang="en-US" smtClean="0"/>
-              <a:t>2/12/2024</a:t>
+              <a:t>3/7/2024</a:t>
             </a:fld>
             <a:endParaRPr lang="en-US"/>
           </a:p>
@@ -1608,7 +1609,7 @@
           <a:p>
             <a:fld id="{3E871DD6-46A1-4F9C-B117-DA74D08906E3}" type="datetimeFigureOut">
               <a:rPr lang="en-US" smtClean="0"/>
-              <a:t>2/12/2024</a:t>
+              <a:t>3/7/2024</a:t>
             </a:fld>
             <a:endParaRPr lang="en-US"/>
           </a:p>
@@ -1726,7 +1727,7 @@
           <a:p>
             <a:fld id="{3E871DD6-46A1-4F9C-B117-DA74D08906E3}" type="datetimeFigureOut">
               <a:rPr lang="en-US" smtClean="0"/>
-              <a:t>2/12/2024</a:t>
+              <a:t>3/7/2024</a:t>
             </a:fld>
             <a:endParaRPr lang="en-US"/>
           </a:p>
@@ -1821,7 +1822,7 @@
           <a:p>
             <a:fld id="{3E871DD6-46A1-4F9C-B117-DA74D08906E3}" type="datetimeFigureOut">
               <a:rPr lang="en-US" smtClean="0"/>
-              <a:t>2/12/2024</a:t>
+              <a:t>3/7/2024</a:t>
             </a:fld>
             <a:endParaRPr lang="en-US"/>
           </a:p>
@@ -2098,7 +2099,7 @@
           <a:p>
             <a:fld id="{3E871DD6-46A1-4F9C-B117-DA74D08906E3}" type="datetimeFigureOut">
               <a:rPr lang="en-US" smtClean="0"/>
-              <a:t>2/12/2024</a:t>
+              <a:t>3/7/2024</a:t>
             </a:fld>
             <a:endParaRPr lang="en-US"/>
           </a:p>
@@ -2355,7 +2356,7 @@
           <a:p>
             <a:fld id="{3E871DD6-46A1-4F9C-B117-DA74D08906E3}" type="datetimeFigureOut">
               <a:rPr lang="en-US" smtClean="0"/>
-              <a:t>2/12/2024</a:t>
+              <a:t>3/7/2024</a:t>
             </a:fld>
             <a:endParaRPr lang="en-US"/>
           </a:p>
@@ -2568,7 +2569,7 @@
           <a:p>
             <a:fld id="{3E871DD6-46A1-4F9C-B117-DA74D08906E3}" type="datetimeFigureOut">
               <a:rPr lang="en-US" smtClean="0"/>
-              <a:t>2/12/2024</a:t>
+              <a:t>3/7/2024</a:t>
             </a:fld>
             <a:endParaRPr lang="en-US"/>
           </a:p>
@@ -3402,7 +3403,7 @@
         <p:spPr>
           <a:xfrm>
             <a:off x="3369659" y="855226"/>
-            <a:ext cx="5053243" cy="5078313"/>
+            <a:ext cx="4937827" cy="5355312"/>
           </a:xfrm>
           <a:prstGeom prst="rect">
             <a:avLst/>
@@ -3840,6 +3841,22 @@
               <a:rPr lang="en-US" dirty="0"/>
               <a:t> area </a:t>
             </a:r>
+            <a:endParaRPr lang="ar-EG" dirty="0" smtClean="0"/>
+          </a:p>
+          <a:p>
+            <a:r>
+              <a:rPr lang="en-US" dirty="0"/>
+              <a:t>List&lt;</a:t>
+            </a:r>
+            <a:r>
+              <a:rPr lang="en-US" dirty="0" err="1"/>
+              <a:t>DoctorDate</a:t>
+            </a:r>
+            <a:r>
+              <a:rPr lang="en-US" dirty="0"/>
+              <a:t>&gt;? Dates</a:t>
+            </a:r>
+            <a:endParaRPr lang="en-US" dirty="0"/>
           </a:p>
           <a:p>
             <a:r>
@@ -6871,7 +6888,7 @@
                 <a:latin typeface="Consolas" panose="020B0609020204030204" pitchFamily="49" charset="0"/>
                 <a:cs typeface="Courier New" panose="02070309020205020404" pitchFamily="49" charset="0"/>
               </a:rPr>
-              <a:t>‘</a:t>
+              <a:t>‘put'</a:t>
             </a:r>
             <a:r>
               <a:rPr kumimoji="0" lang="en-US" altLang="en-US" sz="1600" b="1" i="0" u="none" strike="noStrike" cap="none" normalizeH="0" baseline="0" dirty="0" smtClean="0">
@@ -6879,41 +6896,13 @@
                   <a:noFill/>
                 </a:ln>
                 <a:solidFill>
-                  <a:srgbClr val="A2FCA2"/>
+                  <a:srgbClr val="FFFFFF"/>
                 </a:solidFill>
                 <a:effectLst/>
                 <a:latin typeface="Consolas" panose="020B0609020204030204" pitchFamily="49" charset="0"/>
                 <a:cs typeface="Courier New" panose="02070309020205020404" pitchFamily="49" charset="0"/>
               </a:rPr>
-              <a:t>put'</a:t>
-            </a:r>
-            <a:r>
-              <a:rPr kumimoji="0" lang="en-US" altLang="en-US" sz="1600" b="1" i="0" u="none" strike="noStrike" cap="none" normalizeH="0" baseline="0" dirty="0" smtClean="0">
-                <a:ln>
-                  <a:noFill/>
-                </a:ln>
-                <a:solidFill>
-                  <a:srgbClr val="FFFFFF"/>
-                </a:solidFill>
-                <a:effectLst/>
-                <a:latin typeface="Consolas" panose="020B0609020204030204" pitchFamily="49" charset="0"/>
-                <a:cs typeface="Courier New" panose="02070309020205020404" pitchFamily="49" charset="0"/>
-              </a:rPr>
-              <a:t> </a:t>
-            </a:r>
-            <a:r>
-              <a:rPr kumimoji="0" lang="en-US" altLang="en-US" sz="1600" b="1" i="0" u="none" strike="noStrike" cap="none" normalizeH="0" baseline="0" dirty="0" smtClean="0">
-                <a:ln>
-                  <a:noFill/>
-                </a:ln>
-                <a:solidFill>
-                  <a:srgbClr val="FFFFFF"/>
-                </a:solidFill>
-                <a:effectLst/>
-                <a:latin typeface="Consolas" panose="020B0609020204030204" pitchFamily="49" charset="0"/>
-                <a:cs typeface="Courier New" panose="02070309020205020404" pitchFamily="49" charset="0"/>
-              </a:rPr>
-              <a:t>\ </a:t>
+              <a:t> \ </a:t>
             </a:r>
             <a:r>
               <a:rPr kumimoji="0" lang="en-US" altLang="en-US" sz="1400" b="1" i="0" u="none" strike="noStrike" cap="none" normalizeH="0" baseline="0" dirty="0" smtClean="0">
@@ -6927,21 +6916,7 @@
                 <a:latin typeface="Consolas" panose="020B0609020204030204" pitchFamily="49" charset="0"/>
                 <a:cs typeface="Courier New" panose="02070309020205020404" pitchFamily="49" charset="0"/>
               </a:rPr>
-              <a:t>'https://</a:t>
-            </a:r>
-            <a:r>
-              <a:rPr kumimoji="0" lang="en-US" altLang="en-US" sz="1400" b="1" i="0" u="none" strike="noStrike" cap="none" normalizeH="0" baseline="0" dirty="0" smtClean="0">
-                <a:ln>
-                  <a:noFill/>
-                </a:ln>
-                <a:solidFill>
-                  <a:srgbClr val="A2FCA2"/>
-                </a:solidFill>
-                <a:effectLst/>
-                <a:latin typeface="Consolas" panose="020B0609020204030204" pitchFamily="49" charset="0"/>
-                <a:cs typeface="Courier New" panose="02070309020205020404" pitchFamily="49" charset="0"/>
-              </a:rPr>
-              <a:t>localhost:7224/Hospital/Doctor/</a:t>
+              <a:t>'https://localhost:7224/Hospital/Doctor/</a:t>
             </a:r>
             <a:r>
               <a:rPr lang="en-US" sz="1400" dirty="0" err="1" smtClean="0">
@@ -7393,21 +7368,7 @@
                 <a:latin typeface="Consolas" panose="020B0609020204030204" pitchFamily="49" charset="0"/>
                 <a:cs typeface="Courier New" panose="02070309020205020404" pitchFamily="49" charset="0"/>
               </a:rPr>
-              <a:t> </a:t>
-            </a:r>
-            <a:r>
-              <a:rPr kumimoji="0" lang="en-US" altLang="en-US" sz="1600" b="1" i="0" u="none" strike="noStrike" cap="none" normalizeH="0" baseline="0" dirty="0" smtClean="0">
-                <a:ln>
-                  <a:noFill/>
-                </a:ln>
-                <a:solidFill>
-                  <a:srgbClr val="FFFFFF"/>
-                </a:solidFill>
-                <a:effectLst/>
-                <a:latin typeface="Consolas" panose="020B0609020204030204" pitchFamily="49" charset="0"/>
-                <a:cs typeface="Courier New" panose="02070309020205020404" pitchFamily="49" charset="0"/>
-              </a:rPr>
-              <a:t>\ </a:t>
+              <a:t> \ </a:t>
             </a:r>
             <a:r>
               <a:rPr kumimoji="0" lang="en-US" altLang="en-US" sz="1400" b="1" i="0" u="none" strike="noStrike" cap="none" normalizeH="0" baseline="0" dirty="0" smtClean="0">
@@ -7421,21 +7382,7 @@
                 <a:latin typeface="Consolas" panose="020B0609020204030204" pitchFamily="49" charset="0"/>
                 <a:cs typeface="Courier New" panose="02070309020205020404" pitchFamily="49" charset="0"/>
               </a:rPr>
-              <a:t>'https://</a:t>
-            </a:r>
-            <a:r>
-              <a:rPr kumimoji="0" lang="en-US" altLang="en-US" sz="1400" b="1" i="0" u="none" strike="noStrike" cap="none" normalizeH="0" baseline="0" dirty="0" smtClean="0">
-                <a:ln>
-                  <a:noFill/>
-                </a:ln>
-                <a:solidFill>
-                  <a:srgbClr val="A2FCA2"/>
-                </a:solidFill>
-                <a:effectLst/>
-                <a:latin typeface="Consolas" panose="020B0609020204030204" pitchFamily="49" charset="0"/>
-                <a:cs typeface="Courier New" panose="02070309020205020404" pitchFamily="49" charset="0"/>
-              </a:rPr>
-              <a:t>localhost:7224/Hospital/Doctor/</a:t>
+              <a:t>'https://localhost:7224/Hospital/Doctor/</a:t>
             </a:r>
             <a:r>
               <a:rPr lang="en-US" sz="1400" dirty="0">
@@ -7602,6 +7549,810 @@
     <p:extLst>
       <p:ext uri="{BB962C8B-B14F-4D97-AF65-F5344CB8AC3E}">
         <p14:creationId xmlns:p14="http://schemas.microsoft.com/office/powerpoint/2010/main" val="182563119"/>
+      </p:ext>
+    </p:extLst>
+  </p:cSld>
+  <p:clrMapOvr>
+    <a:masterClrMapping/>
+  </p:clrMapOvr>
+</p:sld>
+</file>
+
+<file path=ppt/slides/slide4.xml><?xml version="1.0" encoding="utf-8"?>
+<p:sld xmlns:a="http://schemas.openxmlformats.org/drawingml/2006/main" xmlns:r="http://schemas.openxmlformats.org/officeDocument/2006/relationships" xmlns:p="http://schemas.openxmlformats.org/presentationml/2006/main">
+  <p:cSld>
+    <p:spTree>
+      <p:nvGrpSpPr>
+        <p:cNvPr id="1" name=""/>
+        <p:cNvGrpSpPr/>
+        <p:nvPr/>
+      </p:nvGrpSpPr>
+      <p:grpSpPr>
+        <a:xfrm>
+          <a:off x="0" y="0"/>
+          <a:ext cx="0" cy="0"/>
+          <a:chOff x="0" y="0"/>
+          <a:chExt cx="0" cy="0"/>
+        </a:xfrm>
+      </p:grpSpPr>
+      <p:sp>
+        <p:nvSpPr>
+          <p:cNvPr id="4" name="TextBox 3"/>
+          <p:cNvSpPr txBox="1"/>
+          <p:nvPr/>
+        </p:nvSpPr>
+        <p:spPr>
+          <a:xfrm>
+            <a:off x="111726" y="75428"/>
+            <a:ext cx="1855316" cy="369332"/>
+          </a:xfrm>
+          <a:prstGeom prst="rect">
+            <a:avLst/>
+          </a:prstGeom>
+          <a:noFill/>
+        </p:spPr>
+        <p:txBody>
+          <a:bodyPr wrap="none" rtlCol="0">
+            <a:spAutoFit/>
+          </a:bodyPr>
+          <a:lstStyle/>
+          <a:p>
+            <a:r>
+              <a:rPr lang="en-US" dirty="0" smtClean="0">
+                <a:solidFill>
+                  <a:schemeClr val="accent1"/>
+                </a:solidFill>
+              </a:rPr>
+              <a:t>Get Count </a:t>
+            </a:r>
+            <a:r>
+              <a:rPr lang="en-US" dirty="0">
+                <a:solidFill>
+                  <a:schemeClr val="accent1"/>
+                </a:solidFill>
+              </a:rPr>
+              <a:t>Patient</a:t>
+            </a:r>
+          </a:p>
+        </p:txBody>
+      </p:sp>
+      <p:sp>
+        <p:nvSpPr>
+          <p:cNvPr id="5" name="TextBox 4"/>
+          <p:cNvSpPr txBox="1"/>
+          <p:nvPr/>
+        </p:nvSpPr>
+        <p:spPr>
+          <a:xfrm>
+            <a:off x="6267450" y="75428"/>
+            <a:ext cx="1891287" cy="646331"/>
+          </a:xfrm>
+          <a:prstGeom prst="rect">
+            <a:avLst/>
+          </a:prstGeom>
+          <a:noFill/>
+        </p:spPr>
+        <p:txBody>
+          <a:bodyPr wrap="none" rtlCol="0">
+            <a:spAutoFit/>
+          </a:bodyPr>
+          <a:lstStyle/>
+          <a:p>
+            <a:r>
+              <a:rPr lang="ar-EG" dirty="0" smtClean="0">
+                <a:solidFill>
+                  <a:srgbClr val="FF0000"/>
+                </a:solidFill>
+              </a:rPr>
+              <a:t>لزم يكون مسجل </a:t>
+            </a:r>
+            <a:endParaRPr lang="en-US" dirty="0" smtClean="0">
+              <a:solidFill>
+                <a:srgbClr val="FF0000"/>
+              </a:solidFill>
+            </a:endParaRPr>
+          </a:p>
+          <a:p>
+            <a:r>
+              <a:rPr lang="en-US" dirty="0" err="1" smtClean="0">
+                <a:solidFill>
+                  <a:srgbClr val="FF0000"/>
+                </a:solidFill>
+              </a:rPr>
+              <a:t>Role:Doctor</a:t>
+            </a:r>
+            <a:r>
+              <a:rPr lang="en-US" dirty="0" smtClean="0">
+                <a:solidFill>
+                  <a:srgbClr val="FF0000"/>
+                </a:solidFill>
+              </a:rPr>
+              <a:t> (only)</a:t>
+            </a:r>
+            <a:endParaRPr lang="en-US" dirty="0">
+              <a:solidFill>
+                <a:srgbClr val="FF0000"/>
+              </a:solidFill>
+            </a:endParaRPr>
+          </a:p>
+        </p:txBody>
+      </p:sp>
+      <p:sp>
+        <p:nvSpPr>
+          <p:cNvPr id="6" name="Rectangle 1"/>
+          <p:cNvSpPr>
+            <a:spLocks noChangeArrowheads="1"/>
+          </p:cNvSpPr>
+          <p:nvPr/>
+        </p:nvSpPr>
+        <p:spPr bwMode="auto">
+          <a:xfrm>
+            <a:off x="0" y="721759"/>
+            <a:ext cx="8229600" cy="457200"/>
+          </a:xfrm>
+          <a:prstGeom prst="rect">
+            <a:avLst/>
+          </a:prstGeom>
+          <a:solidFill>
+            <a:srgbClr val="333333"/>
+          </a:solidFill>
+          <a:ln>
+            <a:noFill/>
+          </a:ln>
+          <a:effectLst/>
+          <a:extLst>
+            <a:ext uri="{91240B29-F687-4F45-9708-019B960494DF}">
+              <a14:hiddenLine xmlns:a14="http://schemas.microsoft.com/office/drawing/2010/main" w="9525">
+                <a:solidFill>
+                  <a:schemeClr val="tx1"/>
+                </a:solidFill>
+                <a:miter lim="800000"/>
+                <a:headEnd/>
+                <a:tailEnd/>
+              </a14:hiddenLine>
+            </a:ext>
+            <a:ext uri="{AF507438-7753-43E0-B8FC-AC1667EBCBE1}">
+              <a14:hiddenEffects xmlns:a14="http://schemas.microsoft.com/office/drawing/2010/main">
+                <a:effectLst>
+                  <a:outerShdw dist="35921" dir="2700000" algn="ctr" rotWithShape="0">
+                    <a:schemeClr val="bg2"/>
+                  </a:outerShdw>
+                </a:effectLst>
+              </a14:hiddenEffects>
+            </a:ext>
+          </a:extLst>
+        </p:spPr>
+        <p:txBody>
+          <a:bodyPr vert="horz" wrap="none" lIns="0" tIns="0" rIns="0" bIns="0" numCol="1" anchor="ctr" anchorCtr="0" compatLnSpc="1">
+            <a:prstTxWarp prst="textNoShape">
+              <a:avLst/>
+            </a:prstTxWarp>
+            <a:spAutoFit/>
+          </a:bodyPr>
+          <a:lstStyle/>
+          <a:p>
+            <a:pPr marL="0" marR="0" lvl="0" indent="0" algn="l" defTabSz="914400" rtl="0" eaLnBrk="0" fontAlgn="base" latinLnBrk="0" hangingPunct="0">
+              <a:lnSpc>
+                <a:spcPct val="100000"/>
+              </a:lnSpc>
+              <a:spcBef>
+                <a:spcPct val="0"/>
+              </a:spcBef>
+              <a:spcAft>
+                <a:spcPct val="0"/>
+              </a:spcAft>
+              <a:buClrTx/>
+              <a:buSzTx/>
+              <a:buFontTx/>
+              <a:buNone/>
+              <a:tabLst/>
+            </a:pPr>
+            <a:r>
+              <a:rPr kumimoji="0" lang="en-US" altLang="en-US" sz="1000" b="1" i="0" u="none" strike="noStrike" cap="none" normalizeH="0" baseline="0" smtClean="0">
+                <a:ln>
+                  <a:noFill/>
+                </a:ln>
+                <a:solidFill>
+                  <a:srgbClr val="A2FCA2"/>
+                </a:solidFill>
+                <a:effectLst/>
+                <a:latin typeface="Consolas" panose="020B0609020204030204" pitchFamily="49" charset="0"/>
+              </a:rPr>
+              <a:t>'GET'</a:t>
+            </a:r>
+            <a:r>
+              <a:rPr kumimoji="0" lang="en-US" altLang="en-US" sz="1000" b="1" i="0" u="none" strike="noStrike" cap="none" normalizeH="0" baseline="0" smtClean="0">
+                <a:ln>
+                  <a:noFill/>
+                </a:ln>
+                <a:solidFill>
+                  <a:srgbClr val="FFFFFF"/>
+                </a:solidFill>
+                <a:effectLst/>
+                <a:latin typeface="Consolas" panose="020B0609020204030204" pitchFamily="49" charset="0"/>
+              </a:rPr>
+              <a:t> \ </a:t>
+            </a:r>
+            <a:r>
+              <a:rPr kumimoji="0" lang="en-US" altLang="en-US" sz="1000" b="1" i="0" u="none" strike="noStrike" cap="none" normalizeH="0" baseline="0" smtClean="0">
+                <a:ln>
+                  <a:noFill/>
+                </a:ln>
+                <a:solidFill>
+                  <a:srgbClr val="A2FCA2"/>
+                </a:solidFill>
+                <a:effectLst/>
+                <a:latin typeface="Consolas" panose="020B0609020204030204" pitchFamily="49" charset="0"/>
+              </a:rPr>
+              <a:t>'https://localhost:7224/Hospital/Doctor/CountOfPatientsWithDoctor'</a:t>
+            </a:r>
+            <a:r>
+              <a:rPr kumimoji="0" lang="en-US" altLang="en-US" sz="700" b="0" i="0" u="none" strike="noStrike" cap="none" normalizeH="0" baseline="0" smtClean="0">
+                <a:ln>
+                  <a:noFill/>
+                </a:ln>
+                <a:solidFill>
+                  <a:schemeClr val="tx1"/>
+                </a:solidFill>
+                <a:effectLst/>
+              </a:rPr>
+              <a:t> </a:t>
+            </a:r>
+            <a:endParaRPr kumimoji="0" lang="en-US" altLang="en-US" sz="1800" b="0" i="0" u="none" strike="noStrike" cap="none" normalizeH="0" baseline="0" smtClean="0">
+              <a:ln>
+                <a:noFill/>
+              </a:ln>
+              <a:solidFill>
+                <a:schemeClr val="tx1"/>
+              </a:solidFill>
+              <a:effectLst/>
+              <a:latin typeface="Arial" panose="020B0604020202020204" pitchFamily="34" charset="0"/>
+            </a:endParaRPr>
+          </a:p>
+        </p:txBody>
+      </p:sp>
+      <p:sp>
+        <p:nvSpPr>
+          <p:cNvPr id="7" name="TextBox 6"/>
+          <p:cNvSpPr txBox="1"/>
+          <p:nvPr/>
+        </p:nvSpPr>
+        <p:spPr>
+          <a:xfrm>
+            <a:off x="266699" y="1271292"/>
+            <a:ext cx="4257675" cy="369332"/>
+          </a:xfrm>
+          <a:prstGeom prst="rect">
+            <a:avLst/>
+          </a:prstGeom>
+          <a:noFill/>
+        </p:spPr>
+        <p:txBody>
+          <a:bodyPr wrap="square" rtlCol="0">
+            <a:spAutoFit/>
+          </a:bodyPr>
+          <a:lstStyle/>
+          <a:p>
+            <a:r>
+              <a:rPr lang="en-US" dirty="0" err="1" smtClean="0">
+                <a:solidFill>
+                  <a:schemeClr val="accent6"/>
+                </a:solidFill>
+              </a:rPr>
+              <a:t>Input</a:t>
+            </a:r>
+            <a:r>
+              <a:rPr lang="en-US" dirty="0" err="1" smtClean="0"/>
+              <a:t>:</a:t>
+            </a:r>
+            <a:r>
+              <a:rPr lang="en-US" dirty="0" err="1" smtClean="0">
+                <a:solidFill>
+                  <a:schemeClr val="accent1">
+                    <a:lumMod val="50000"/>
+                  </a:schemeClr>
+                </a:solidFill>
+              </a:rPr>
+              <a:t>Null</a:t>
+            </a:r>
+            <a:r>
+              <a:rPr lang="en-US" dirty="0">
+                <a:solidFill>
+                  <a:schemeClr val="accent1">
+                    <a:lumMod val="50000"/>
+                  </a:schemeClr>
+                </a:solidFill>
+              </a:rPr>
+              <a:t>	</a:t>
+            </a:r>
+            <a:r>
+              <a:rPr lang="en-US" dirty="0" smtClean="0">
+                <a:solidFill>
+                  <a:schemeClr val="accent1">
+                    <a:lumMod val="50000"/>
+                  </a:schemeClr>
+                </a:solidFill>
+              </a:rPr>
+              <a:t>	</a:t>
+            </a:r>
+            <a:r>
+              <a:rPr lang="en-US" dirty="0" err="1" smtClean="0">
+                <a:solidFill>
+                  <a:schemeClr val="accent6"/>
+                </a:solidFill>
+              </a:rPr>
+              <a:t>Output</a:t>
+            </a:r>
+            <a:r>
+              <a:rPr lang="en-US" dirty="0" err="1" smtClean="0"/>
+              <a:t>:</a:t>
+            </a:r>
+            <a:r>
+              <a:rPr lang="en-US" dirty="0" err="1" smtClean="0">
+                <a:solidFill>
+                  <a:schemeClr val="accent1">
+                    <a:lumMod val="50000"/>
+                  </a:schemeClr>
+                </a:solidFill>
+              </a:rPr>
+              <a:t>int</a:t>
+            </a:r>
+            <a:endParaRPr lang="en-US" dirty="0">
+              <a:solidFill>
+                <a:schemeClr val="accent1">
+                  <a:lumMod val="50000"/>
+                </a:schemeClr>
+              </a:solidFill>
+            </a:endParaRPr>
+          </a:p>
+        </p:txBody>
+      </p:sp>
+      <p:cxnSp>
+        <p:nvCxnSpPr>
+          <p:cNvPr id="9" name="Straight Connector 8"/>
+          <p:cNvCxnSpPr/>
+          <p:nvPr/>
+        </p:nvCxnSpPr>
+        <p:spPr>
+          <a:xfrm>
+            <a:off x="0" y="1732957"/>
+            <a:ext cx="8229600" cy="38693"/>
+          </a:xfrm>
+          <a:prstGeom prst="line">
+            <a:avLst/>
+          </a:prstGeom>
+        </p:spPr>
+        <p:style>
+          <a:lnRef idx="1">
+            <a:schemeClr val="accent1"/>
+          </a:lnRef>
+          <a:fillRef idx="0">
+            <a:schemeClr val="accent1"/>
+          </a:fillRef>
+          <a:effectRef idx="0">
+            <a:schemeClr val="accent1"/>
+          </a:effectRef>
+          <a:fontRef idx="minor">
+            <a:schemeClr val="tx1"/>
+          </a:fontRef>
+        </p:style>
+      </p:cxnSp>
+      <p:sp>
+        <p:nvSpPr>
+          <p:cNvPr id="12" name="TextBox 11"/>
+          <p:cNvSpPr txBox="1"/>
+          <p:nvPr/>
+        </p:nvSpPr>
+        <p:spPr>
+          <a:xfrm>
+            <a:off x="234975" y="1798858"/>
+            <a:ext cx="2284984" cy="369332"/>
+          </a:xfrm>
+          <a:prstGeom prst="rect">
+            <a:avLst/>
+          </a:prstGeom>
+          <a:noFill/>
+        </p:spPr>
+        <p:txBody>
+          <a:bodyPr wrap="none" rtlCol="0">
+            <a:spAutoFit/>
+          </a:bodyPr>
+          <a:lstStyle/>
+          <a:p>
+            <a:r>
+              <a:rPr lang="en-US" dirty="0" smtClean="0">
+                <a:solidFill>
+                  <a:schemeClr val="accent1"/>
+                </a:solidFill>
+              </a:rPr>
+              <a:t>Get </a:t>
+            </a:r>
+            <a:r>
+              <a:rPr lang="en-US" dirty="0" err="1" smtClean="0">
+                <a:solidFill>
+                  <a:schemeClr val="accent1"/>
+                </a:solidFill>
+              </a:rPr>
+              <a:t>PatientPercentage</a:t>
+            </a:r>
+            <a:endParaRPr lang="en-US" dirty="0">
+              <a:solidFill>
+                <a:schemeClr val="accent1"/>
+              </a:solidFill>
+            </a:endParaRPr>
+          </a:p>
+        </p:txBody>
+      </p:sp>
+      <p:sp>
+        <p:nvSpPr>
+          <p:cNvPr id="13" name="TextBox 12"/>
+          <p:cNvSpPr txBox="1"/>
+          <p:nvPr/>
+        </p:nvSpPr>
+        <p:spPr>
+          <a:xfrm>
+            <a:off x="6390699" y="1798858"/>
+            <a:ext cx="1891287" cy="646331"/>
+          </a:xfrm>
+          <a:prstGeom prst="rect">
+            <a:avLst/>
+          </a:prstGeom>
+          <a:noFill/>
+        </p:spPr>
+        <p:txBody>
+          <a:bodyPr wrap="none" rtlCol="0">
+            <a:spAutoFit/>
+          </a:bodyPr>
+          <a:lstStyle/>
+          <a:p>
+            <a:r>
+              <a:rPr lang="ar-EG" dirty="0" smtClean="0">
+                <a:solidFill>
+                  <a:srgbClr val="FF0000"/>
+                </a:solidFill>
+              </a:rPr>
+              <a:t>لزم يكون مسجل </a:t>
+            </a:r>
+            <a:endParaRPr lang="en-US" dirty="0" smtClean="0">
+              <a:solidFill>
+                <a:srgbClr val="FF0000"/>
+              </a:solidFill>
+            </a:endParaRPr>
+          </a:p>
+          <a:p>
+            <a:r>
+              <a:rPr lang="en-US" dirty="0" err="1" smtClean="0">
+                <a:solidFill>
+                  <a:srgbClr val="FF0000"/>
+                </a:solidFill>
+              </a:rPr>
+              <a:t>Role:Doctor</a:t>
+            </a:r>
+            <a:r>
+              <a:rPr lang="en-US" dirty="0" smtClean="0">
+                <a:solidFill>
+                  <a:srgbClr val="FF0000"/>
+                </a:solidFill>
+              </a:rPr>
+              <a:t> (only)</a:t>
+            </a:r>
+            <a:endParaRPr lang="en-US" dirty="0">
+              <a:solidFill>
+                <a:srgbClr val="FF0000"/>
+              </a:solidFill>
+            </a:endParaRPr>
+          </a:p>
+        </p:txBody>
+      </p:sp>
+      <p:sp>
+        <p:nvSpPr>
+          <p:cNvPr id="14" name="TextBox 13"/>
+          <p:cNvSpPr txBox="1"/>
+          <p:nvPr/>
+        </p:nvSpPr>
+        <p:spPr>
+          <a:xfrm>
+            <a:off x="389948" y="2994722"/>
+            <a:ext cx="4420177" cy="369332"/>
+          </a:xfrm>
+          <a:prstGeom prst="rect">
+            <a:avLst/>
+          </a:prstGeom>
+          <a:noFill/>
+        </p:spPr>
+        <p:txBody>
+          <a:bodyPr wrap="square" rtlCol="0">
+            <a:spAutoFit/>
+          </a:bodyPr>
+          <a:lstStyle/>
+          <a:p>
+            <a:r>
+              <a:rPr lang="en-US" dirty="0" err="1" smtClean="0">
+                <a:solidFill>
+                  <a:schemeClr val="accent6"/>
+                </a:solidFill>
+              </a:rPr>
+              <a:t>Input</a:t>
+            </a:r>
+            <a:r>
+              <a:rPr lang="en-US" dirty="0" err="1" smtClean="0"/>
+              <a:t>:</a:t>
+            </a:r>
+            <a:r>
+              <a:rPr lang="en-US" dirty="0" err="1" smtClean="0">
+                <a:solidFill>
+                  <a:schemeClr val="accent1">
+                    <a:lumMod val="50000"/>
+                  </a:schemeClr>
+                </a:solidFill>
+              </a:rPr>
+              <a:t>Null</a:t>
+            </a:r>
+            <a:r>
+              <a:rPr lang="en-US" dirty="0">
+                <a:solidFill>
+                  <a:schemeClr val="accent1">
+                    <a:lumMod val="50000"/>
+                  </a:schemeClr>
+                </a:solidFill>
+              </a:rPr>
+              <a:t>	</a:t>
+            </a:r>
+            <a:r>
+              <a:rPr lang="en-US" dirty="0" smtClean="0">
+                <a:solidFill>
+                  <a:schemeClr val="accent1">
+                    <a:lumMod val="50000"/>
+                  </a:schemeClr>
+                </a:solidFill>
+              </a:rPr>
+              <a:t>	</a:t>
+            </a:r>
+            <a:r>
+              <a:rPr lang="en-US" dirty="0" err="1" smtClean="0">
+                <a:solidFill>
+                  <a:schemeClr val="accent6"/>
+                </a:solidFill>
+              </a:rPr>
+              <a:t>Output</a:t>
+            </a:r>
+            <a:r>
+              <a:rPr lang="en-US" dirty="0" err="1" smtClean="0"/>
+              <a:t>:</a:t>
+            </a:r>
+            <a:r>
+              <a:rPr lang="en-US" dirty="0" err="1" smtClean="0">
+                <a:solidFill>
+                  <a:schemeClr val="accent5">
+                    <a:lumMod val="50000"/>
+                  </a:schemeClr>
+                </a:solidFill>
+              </a:rPr>
+              <a:t>double</a:t>
+            </a:r>
+            <a:endParaRPr lang="en-US" dirty="0">
+              <a:solidFill>
+                <a:schemeClr val="accent5">
+                  <a:lumMod val="50000"/>
+                </a:schemeClr>
+              </a:solidFill>
+            </a:endParaRPr>
+          </a:p>
+        </p:txBody>
+      </p:sp>
+      <p:sp>
+        <p:nvSpPr>
+          <p:cNvPr id="15" name="TextBox 14"/>
+          <p:cNvSpPr txBox="1"/>
+          <p:nvPr/>
+        </p:nvSpPr>
+        <p:spPr>
+          <a:xfrm>
+            <a:off x="6523394" y="2989069"/>
+            <a:ext cx="1758592" cy="646331"/>
+          </a:xfrm>
+          <a:prstGeom prst="rect">
+            <a:avLst/>
+          </a:prstGeom>
+          <a:noFill/>
+        </p:spPr>
+        <p:txBody>
+          <a:bodyPr wrap="square" rtlCol="0">
+            <a:spAutoFit/>
+          </a:bodyPr>
+          <a:lstStyle/>
+          <a:p>
+            <a:r>
+              <a:rPr lang="ar-EG" dirty="0" smtClean="0">
+                <a:solidFill>
+                  <a:schemeClr val="accent5">
+                    <a:lumMod val="50000"/>
+                  </a:schemeClr>
+                </a:solidFill>
+              </a:rPr>
+              <a:t>بترجع نسبه الرجاله الي عند دكتور</a:t>
+            </a:r>
+            <a:endParaRPr lang="en-US" dirty="0">
+              <a:solidFill>
+                <a:schemeClr val="accent5">
+                  <a:lumMod val="50000"/>
+                </a:schemeClr>
+              </a:solidFill>
+            </a:endParaRPr>
+          </a:p>
+        </p:txBody>
+      </p:sp>
+      <p:sp>
+        <p:nvSpPr>
+          <p:cNvPr id="16" name="Rectangle 2"/>
+          <p:cNvSpPr>
+            <a:spLocks noChangeArrowheads="1"/>
+          </p:cNvSpPr>
+          <p:nvPr/>
+        </p:nvSpPr>
+        <p:spPr bwMode="auto">
+          <a:xfrm>
+            <a:off x="0" y="2488529"/>
+            <a:ext cx="8229600" cy="457200"/>
+          </a:xfrm>
+          <a:prstGeom prst="rect">
+            <a:avLst/>
+          </a:prstGeom>
+          <a:solidFill>
+            <a:srgbClr val="333333"/>
+          </a:solidFill>
+          <a:ln>
+            <a:noFill/>
+          </a:ln>
+          <a:effectLst/>
+          <a:extLst>
+            <a:ext uri="{91240B29-F687-4F45-9708-019B960494DF}">
+              <a14:hiddenLine xmlns:a14="http://schemas.microsoft.com/office/drawing/2010/main" w="9525">
+                <a:solidFill>
+                  <a:schemeClr val="tx1"/>
+                </a:solidFill>
+                <a:miter lim="800000"/>
+                <a:headEnd/>
+                <a:tailEnd/>
+              </a14:hiddenLine>
+            </a:ext>
+            <a:ext uri="{AF507438-7753-43E0-B8FC-AC1667EBCBE1}">
+              <a14:hiddenEffects xmlns:a14="http://schemas.microsoft.com/office/drawing/2010/main">
+                <a:effectLst>
+                  <a:outerShdw dist="35921" dir="2700000" algn="ctr" rotWithShape="0">
+                    <a:schemeClr val="bg2"/>
+                  </a:outerShdw>
+                </a:effectLst>
+              </a14:hiddenEffects>
+            </a:ext>
+          </a:extLst>
+        </p:spPr>
+        <p:txBody>
+          <a:bodyPr vert="horz" wrap="none" lIns="0" tIns="0" rIns="0" bIns="0" numCol="1" anchor="ctr" anchorCtr="0" compatLnSpc="1">
+            <a:prstTxWarp prst="textNoShape">
+              <a:avLst/>
+            </a:prstTxWarp>
+            <a:spAutoFit/>
+          </a:bodyPr>
+          <a:lstStyle/>
+          <a:p>
+            <a:pPr marL="0" marR="0" lvl="0" indent="0" algn="l" defTabSz="914400" rtl="0" eaLnBrk="0" fontAlgn="base" latinLnBrk="0" hangingPunct="0">
+              <a:lnSpc>
+                <a:spcPct val="100000"/>
+              </a:lnSpc>
+              <a:spcBef>
+                <a:spcPct val="0"/>
+              </a:spcBef>
+              <a:spcAft>
+                <a:spcPct val="0"/>
+              </a:spcAft>
+              <a:buClrTx/>
+              <a:buSzTx/>
+              <a:buFontTx/>
+              <a:buNone/>
+              <a:tabLst/>
+            </a:pPr>
+            <a:r>
+              <a:rPr kumimoji="0" lang="en-US" altLang="en-US" sz="1000" b="1" i="0" u="none" strike="noStrike" cap="none" normalizeH="0" baseline="0" smtClean="0">
+                <a:ln>
+                  <a:noFill/>
+                </a:ln>
+                <a:solidFill>
+                  <a:srgbClr val="A2FCA2"/>
+                </a:solidFill>
+                <a:effectLst/>
+                <a:latin typeface="Consolas" panose="020B0609020204030204" pitchFamily="49" charset="0"/>
+                <a:cs typeface="Courier New" panose="02070309020205020404" pitchFamily="49" charset="0"/>
+              </a:rPr>
+              <a:t>'GET'</a:t>
+            </a:r>
+            <a:r>
+              <a:rPr kumimoji="0" lang="en-US" altLang="en-US" sz="1000" b="1" i="0" u="none" strike="noStrike" cap="none" normalizeH="0" baseline="0" smtClean="0">
+                <a:ln>
+                  <a:noFill/>
+                </a:ln>
+                <a:solidFill>
+                  <a:srgbClr val="FFFFFF"/>
+                </a:solidFill>
+                <a:effectLst/>
+                <a:latin typeface="Consolas" panose="020B0609020204030204" pitchFamily="49" charset="0"/>
+                <a:cs typeface="Courier New" panose="02070309020205020404" pitchFamily="49" charset="0"/>
+              </a:rPr>
+              <a:t> \ </a:t>
+            </a:r>
+            <a:r>
+              <a:rPr kumimoji="0" lang="en-US" altLang="en-US" sz="1000" b="1" i="0" u="none" strike="noStrike" cap="none" normalizeH="0" baseline="0" smtClean="0">
+                <a:ln>
+                  <a:noFill/>
+                </a:ln>
+                <a:solidFill>
+                  <a:srgbClr val="A2FCA2"/>
+                </a:solidFill>
+                <a:effectLst/>
+                <a:latin typeface="Consolas" panose="020B0609020204030204" pitchFamily="49" charset="0"/>
+                <a:cs typeface="Courier New" panose="02070309020205020404" pitchFamily="49" charset="0"/>
+              </a:rPr>
+              <a:t>'https://localhost:7224/Hospital/Doctor/PatientPercentage'</a:t>
+            </a:r>
+            <a:r>
+              <a:rPr kumimoji="0" lang="en-US" altLang="en-US" sz="700" b="0" i="0" u="none" strike="noStrike" cap="none" normalizeH="0" baseline="0" smtClean="0">
+                <a:ln>
+                  <a:noFill/>
+                </a:ln>
+                <a:solidFill>
+                  <a:schemeClr val="tx1"/>
+                </a:solidFill>
+                <a:effectLst/>
+              </a:rPr>
+              <a:t> </a:t>
+            </a:r>
+            <a:endParaRPr kumimoji="0" lang="en-US" altLang="en-US" sz="1800" b="0" i="0" u="none" strike="noStrike" cap="none" normalizeH="0" baseline="0" smtClean="0">
+              <a:ln>
+                <a:noFill/>
+              </a:ln>
+              <a:solidFill>
+                <a:schemeClr val="tx1"/>
+              </a:solidFill>
+              <a:effectLst/>
+              <a:latin typeface="Arial" panose="020B0604020202020204" pitchFamily="34" charset="0"/>
+            </a:endParaRPr>
+          </a:p>
+        </p:txBody>
+      </p:sp>
+      <p:cxnSp>
+        <p:nvCxnSpPr>
+          <p:cNvPr id="18" name="Straight Connector 17"/>
+          <p:cNvCxnSpPr/>
+          <p:nvPr/>
+        </p:nvCxnSpPr>
+        <p:spPr>
+          <a:xfrm>
+            <a:off x="0" y="3635400"/>
+            <a:ext cx="8281986" cy="0"/>
+          </a:xfrm>
+          <a:prstGeom prst="line">
+            <a:avLst/>
+          </a:prstGeom>
+        </p:spPr>
+        <p:style>
+          <a:lnRef idx="1">
+            <a:schemeClr val="accent1"/>
+          </a:lnRef>
+          <a:fillRef idx="0">
+            <a:schemeClr val="accent1"/>
+          </a:fillRef>
+          <a:effectRef idx="0">
+            <a:schemeClr val="accent1"/>
+          </a:effectRef>
+          <a:fontRef idx="minor">
+            <a:schemeClr val="tx1"/>
+          </a:fontRef>
+        </p:style>
+      </p:cxnSp>
+    </p:spTree>
+    <p:extLst>
+      <p:ext uri="{BB962C8B-B14F-4D97-AF65-F5344CB8AC3E}">
+        <p14:creationId xmlns:p14="http://schemas.microsoft.com/office/powerpoint/2010/main" val="2770763190"/>
       </p:ext>
     </p:extLst>
   </p:cSld>
